--- a/문서/2스테이지 보스 스테이지 패턴 기획 그림제작용.pptx
+++ b/문서/2스테이지 보스 스테이지 패턴 기획 그림제작용.pptx
@@ -286,7 +286,7 @@
           <a:p>
             <a:fld id="{5489C2E6-9D57-43BA-892E-82A84D6298D4}" type="datetimeFigureOut">
               <a:rPr lang="ko-KR" altLang="en-US" smtClean="0"/>
-              <a:t>2021-01-30</a:t>
+              <a:t>2021-01-31</a:t>
             </a:fld>
             <a:endParaRPr lang="ko-KR" altLang="en-US"/>
           </a:p>
@@ -484,7 +484,7 @@
           <a:p>
             <a:fld id="{5489C2E6-9D57-43BA-892E-82A84D6298D4}" type="datetimeFigureOut">
               <a:rPr lang="ko-KR" altLang="en-US" smtClean="0"/>
-              <a:t>2021-01-30</a:t>
+              <a:t>2021-01-31</a:t>
             </a:fld>
             <a:endParaRPr lang="ko-KR" altLang="en-US"/>
           </a:p>
@@ -692,7 +692,7 @@
           <a:p>
             <a:fld id="{5489C2E6-9D57-43BA-892E-82A84D6298D4}" type="datetimeFigureOut">
               <a:rPr lang="ko-KR" altLang="en-US" smtClean="0"/>
-              <a:t>2021-01-30</a:t>
+              <a:t>2021-01-31</a:t>
             </a:fld>
             <a:endParaRPr lang="ko-KR" altLang="en-US"/>
           </a:p>
@@ -890,7 +890,7 @@
           <a:p>
             <a:fld id="{5489C2E6-9D57-43BA-892E-82A84D6298D4}" type="datetimeFigureOut">
               <a:rPr lang="ko-KR" altLang="en-US" smtClean="0"/>
-              <a:t>2021-01-30</a:t>
+              <a:t>2021-01-31</a:t>
             </a:fld>
             <a:endParaRPr lang="ko-KR" altLang="en-US"/>
           </a:p>
@@ -1165,7 +1165,7 @@
           <a:p>
             <a:fld id="{5489C2E6-9D57-43BA-892E-82A84D6298D4}" type="datetimeFigureOut">
               <a:rPr lang="ko-KR" altLang="en-US" smtClean="0"/>
-              <a:t>2021-01-30</a:t>
+              <a:t>2021-01-31</a:t>
             </a:fld>
             <a:endParaRPr lang="ko-KR" altLang="en-US"/>
           </a:p>
@@ -1430,7 +1430,7 @@
           <a:p>
             <a:fld id="{5489C2E6-9D57-43BA-892E-82A84D6298D4}" type="datetimeFigureOut">
               <a:rPr lang="ko-KR" altLang="en-US" smtClean="0"/>
-              <a:t>2021-01-30</a:t>
+              <a:t>2021-01-31</a:t>
             </a:fld>
             <a:endParaRPr lang="ko-KR" altLang="en-US"/>
           </a:p>
@@ -1842,7 +1842,7 @@
           <a:p>
             <a:fld id="{5489C2E6-9D57-43BA-892E-82A84D6298D4}" type="datetimeFigureOut">
               <a:rPr lang="ko-KR" altLang="en-US" smtClean="0"/>
-              <a:t>2021-01-30</a:t>
+              <a:t>2021-01-31</a:t>
             </a:fld>
             <a:endParaRPr lang="ko-KR" altLang="en-US"/>
           </a:p>
@@ -1983,7 +1983,7 @@
           <a:p>
             <a:fld id="{5489C2E6-9D57-43BA-892E-82A84D6298D4}" type="datetimeFigureOut">
               <a:rPr lang="ko-KR" altLang="en-US" smtClean="0"/>
-              <a:t>2021-01-30</a:t>
+              <a:t>2021-01-31</a:t>
             </a:fld>
             <a:endParaRPr lang="ko-KR" altLang="en-US"/>
           </a:p>
@@ -2096,7 +2096,7 @@
           <a:p>
             <a:fld id="{5489C2E6-9D57-43BA-892E-82A84D6298D4}" type="datetimeFigureOut">
               <a:rPr lang="ko-KR" altLang="en-US" smtClean="0"/>
-              <a:t>2021-01-30</a:t>
+              <a:t>2021-01-31</a:t>
             </a:fld>
             <a:endParaRPr lang="ko-KR" altLang="en-US"/>
           </a:p>
@@ -2407,7 +2407,7 @@
           <a:p>
             <a:fld id="{5489C2E6-9D57-43BA-892E-82A84D6298D4}" type="datetimeFigureOut">
               <a:rPr lang="ko-KR" altLang="en-US" smtClean="0"/>
-              <a:t>2021-01-30</a:t>
+              <a:t>2021-01-31</a:t>
             </a:fld>
             <a:endParaRPr lang="ko-KR" altLang="en-US"/>
           </a:p>
@@ -2695,7 +2695,7 @@
           <a:p>
             <a:fld id="{5489C2E6-9D57-43BA-892E-82A84D6298D4}" type="datetimeFigureOut">
               <a:rPr lang="ko-KR" altLang="en-US" smtClean="0"/>
-              <a:t>2021-01-30</a:t>
+              <a:t>2021-01-31</a:t>
             </a:fld>
             <a:endParaRPr lang="ko-KR" altLang="en-US"/>
           </a:p>
@@ -2936,7 +2936,7 @@
           <a:p>
             <a:fld id="{5489C2E6-9D57-43BA-892E-82A84D6298D4}" type="datetimeFigureOut">
               <a:rPr lang="ko-KR" altLang="en-US" smtClean="0"/>
-              <a:t>2021-01-30</a:t>
+              <a:t>2021-01-31</a:t>
             </a:fld>
             <a:endParaRPr lang="ko-KR" altLang="en-US"/>
           </a:p>
@@ -3613,8 +3613,8 @@
         </p:nvSpPr>
         <p:spPr>
           <a:xfrm>
-            <a:off x="266114" y="5323831"/>
-            <a:ext cx="2237241" cy="203172"/>
+            <a:off x="266114" y="5333066"/>
+            <a:ext cx="2237241" cy="184702"/>
           </a:xfrm>
           <a:prstGeom prst="rect">
             <a:avLst/>

--- a/문서/2스테이지 보스 스테이지 패턴 기획 그림제작용.pptx
+++ b/문서/2스테이지 보스 스테이지 패턴 기획 그림제작용.pptx
@@ -286,7 +286,7 @@
           <a:p>
             <a:fld id="{5489C2E6-9D57-43BA-892E-82A84D6298D4}" type="datetimeFigureOut">
               <a:rPr lang="ko-KR" altLang="en-US" smtClean="0"/>
-              <a:t>2021-01-31</a:t>
+              <a:t>2021-01-30</a:t>
             </a:fld>
             <a:endParaRPr lang="ko-KR" altLang="en-US"/>
           </a:p>
@@ -484,7 +484,7 @@
           <a:p>
             <a:fld id="{5489C2E6-9D57-43BA-892E-82A84D6298D4}" type="datetimeFigureOut">
               <a:rPr lang="ko-KR" altLang="en-US" smtClean="0"/>
-              <a:t>2021-01-31</a:t>
+              <a:t>2021-01-30</a:t>
             </a:fld>
             <a:endParaRPr lang="ko-KR" altLang="en-US"/>
           </a:p>
@@ -692,7 +692,7 @@
           <a:p>
             <a:fld id="{5489C2E6-9D57-43BA-892E-82A84D6298D4}" type="datetimeFigureOut">
               <a:rPr lang="ko-KR" altLang="en-US" smtClean="0"/>
-              <a:t>2021-01-31</a:t>
+              <a:t>2021-01-30</a:t>
             </a:fld>
             <a:endParaRPr lang="ko-KR" altLang="en-US"/>
           </a:p>
@@ -890,7 +890,7 @@
           <a:p>
             <a:fld id="{5489C2E6-9D57-43BA-892E-82A84D6298D4}" type="datetimeFigureOut">
               <a:rPr lang="ko-KR" altLang="en-US" smtClean="0"/>
-              <a:t>2021-01-31</a:t>
+              <a:t>2021-01-30</a:t>
             </a:fld>
             <a:endParaRPr lang="ko-KR" altLang="en-US"/>
           </a:p>
@@ -1165,7 +1165,7 @@
           <a:p>
             <a:fld id="{5489C2E6-9D57-43BA-892E-82A84D6298D4}" type="datetimeFigureOut">
               <a:rPr lang="ko-KR" altLang="en-US" smtClean="0"/>
-              <a:t>2021-01-31</a:t>
+              <a:t>2021-01-30</a:t>
             </a:fld>
             <a:endParaRPr lang="ko-KR" altLang="en-US"/>
           </a:p>
@@ -1430,7 +1430,7 @@
           <a:p>
             <a:fld id="{5489C2E6-9D57-43BA-892E-82A84D6298D4}" type="datetimeFigureOut">
               <a:rPr lang="ko-KR" altLang="en-US" smtClean="0"/>
-              <a:t>2021-01-31</a:t>
+              <a:t>2021-01-30</a:t>
             </a:fld>
             <a:endParaRPr lang="ko-KR" altLang="en-US"/>
           </a:p>
@@ -1842,7 +1842,7 @@
           <a:p>
             <a:fld id="{5489C2E6-9D57-43BA-892E-82A84D6298D4}" type="datetimeFigureOut">
               <a:rPr lang="ko-KR" altLang="en-US" smtClean="0"/>
-              <a:t>2021-01-31</a:t>
+              <a:t>2021-01-30</a:t>
             </a:fld>
             <a:endParaRPr lang="ko-KR" altLang="en-US"/>
           </a:p>
@@ -1983,7 +1983,7 @@
           <a:p>
             <a:fld id="{5489C2E6-9D57-43BA-892E-82A84D6298D4}" type="datetimeFigureOut">
               <a:rPr lang="ko-KR" altLang="en-US" smtClean="0"/>
-              <a:t>2021-01-31</a:t>
+              <a:t>2021-01-30</a:t>
             </a:fld>
             <a:endParaRPr lang="ko-KR" altLang="en-US"/>
           </a:p>
@@ -2096,7 +2096,7 @@
           <a:p>
             <a:fld id="{5489C2E6-9D57-43BA-892E-82A84D6298D4}" type="datetimeFigureOut">
               <a:rPr lang="ko-KR" altLang="en-US" smtClean="0"/>
-              <a:t>2021-01-31</a:t>
+              <a:t>2021-01-30</a:t>
             </a:fld>
             <a:endParaRPr lang="ko-KR" altLang="en-US"/>
           </a:p>
@@ -2407,7 +2407,7 @@
           <a:p>
             <a:fld id="{5489C2E6-9D57-43BA-892E-82A84D6298D4}" type="datetimeFigureOut">
               <a:rPr lang="ko-KR" altLang="en-US" smtClean="0"/>
-              <a:t>2021-01-31</a:t>
+              <a:t>2021-01-30</a:t>
             </a:fld>
             <a:endParaRPr lang="ko-KR" altLang="en-US"/>
           </a:p>
@@ -2695,7 +2695,7 @@
           <a:p>
             <a:fld id="{5489C2E6-9D57-43BA-892E-82A84D6298D4}" type="datetimeFigureOut">
               <a:rPr lang="ko-KR" altLang="en-US" smtClean="0"/>
-              <a:t>2021-01-31</a:t>
+              <a:t>2021-01-30</a:t>
             </a:fld>
             <a:endParaRPr lang="ko-KR" altLang="en-US"/>
           </a:p>
@@ -2936,7 +2936,7 @@
           <a:p>
             <a:fld id="{5489C2E6-9D57-43BA-892E-82A84D6298D4}" type="datetimeFigureOut">
               <a:rPr lang="ko-KR" altLang="en-US" smtClean="0"/>
-              <a:t>2021-01-31</a:t>
+              <a:t>2021-01-30</a:t>
             </a:fld>
             <a:endParaRPr lang="ko-KR" altLang="en-US"/>
           </a:p>
@@ -3613,8 +3613,8 @@
         </p:nvSpPr>
         <p:spPr>
           <a:xfrm>
-            <a:off x="266114" y="5333066"/>
-            <a:ext cx="2237241" cy="184702"/>
+            <a:off x="266114" y="5323831"/>
+            <a:ext cx="2237241" cy="203172"/>
           </a:xfrm>
           <a:prstGeom prst="rect">
             <a:avLst/>

--- a/문서/2스테이지 보스 스테이지 패턴 기획 그림제작용.pptx
+++ b/문서/2스테이지 보스 스테이지 패턴 기획 그림제작용.pptx
@@ -286,7 +286,7 @@
           <a:p>
             <a:fld id="{5489C2E6-9D57-43BA-892E-82A84D6298D4}" type="datetimeFigureOut">
               <a:rPr lang="ko-KR" altLang="en-US" smtClean="0"/>
-              <a:t>2021-01-31</a:t>
+              <a:t>2021-02-01</a:t>
             </a:fld>
             <a:endParaRPr lang="ko-KR" altLang="en-US"/>
           </a:p>
@@ -484,7 +484,7 @@
           <a:p>
             <a:fld id="{5489C2E6-9D57-43BA-892E-82A84D6298D4}" type="datetimeFigureOut">
               <a:rPr lang="ko-KR" altLang="en-US" smtClean="0"/>
-              <a:t>2021-01-31</a:t>
+              <a:t>2021-02-01</a:t>
             </a:fld>
             <a:endParaRPr lang="ko-KR" altLang="en-US"/>
           </a:p>
@@ -692,7 +692,7 @@
           <a:p>
             <a:fld id="{5489C2E6-9D57-43BA-892E-82A84D6298D4}" type="datetimeFigureOut">
               <a:rPr lang="ko-KR" altLang="en-US" smtClean="0"/>
-              <a:t>2021-01-31</a:t>
+              <a:t>2021-02-01</a:t>
             </a:fld>
             <a:endParaRPr lang="ko-KR" altLang="en-US"/>
           </a:p>
@@ -890,7 +890,7 @@
           <a:p>
             <a:fld id="{5489C2E6-9D57-43BA-892E-82A84D6298D4}" type="datetimeFigureOut">
               <a:rPr lang="ko-KR" altLang="en-US" smtClean="0"/>
-              <a:t>2021-01-31</a:t>
+              <a:t>2021-02-01</a:t>
             </a:fld>
             <a:endParaRPr lang="ko-KR" altLang="en-US"/>
           </a:p>
@@ -1165,7 +1165,7 @@
           <a:p>
             <a:fld id="{5489C2E6-9D57-43BA-892E-82A84D6298D4}" type="datetimeFigureOut">
               <a:rPr lang="ko-KR" altLang="en-US" smtClean="0"/>
-              <a:t>2021-01-31</a:t>
+              <a:t>2021-02-01</a:t>
             </a:fld>
             <a:endParaRPr lang="ko-KR" altLang="en-US"/>
           </a:p>
@@ -1430,7 +1430,7 @@
           <a:p>
             <a:fld id="{5489C2E6-9D57-43BA-892E-82A84D6298D4}" type="datetimeFigureOut">
               <a:rPr lang="ko-KR" altLang="en-US" smtClean="0"/>
-              <a:t>2021-01-31</a:t>
+              <a:t>2021-02-01</a:t>
             </a:fld>
             <a:endParaRPr lang="ko-KR" altLang="en-US"/>
           </a:p>
@@ -1842,7 +1842,7 @@
           <a:p>
             <a:fld id="{5489C2E6-9D57-43BA-892E-82A84D6298D4}" type="datetimeFigureOut">
               <a:rPr lang="ko-KR" altLang="en-US" smtClean="0"/>
-              <a:t>2021-01-31</a:t>
+              <a:t>2021-02-01</a:t>
             </a:fld>
             <a:endParaRPr lang="ko-KR" altLang="en-US"/>
           </a:p>
@@ -1983,7 +1983,7 @@
           <a:p>
             <a:fld id="{5489C2E6-9D57-43BA-892E-82A84D6298D4}" type="datetimeFigureOut">
               <a:rPr lang="ko-KR" altLang="en-US" smtClean="0"/>
-              <a:t>2021-01-31</a:t>
+              <a:t>2021-02-01</a:t>
             </a:fld>
             <a:endParaRPr lang="ko-KR" altLang="en-US"/>
           </a:p>
@@ -2096,7 +2096,7 @@
           <a:p>
             <a:fld id="{5489C2E6-9D57-43BA-892E-82A84D6298D4}" type="datetimeFigureOut">
               <a:rPr lang="ko-KR" altLang="en-US" smtClean="0"/>
-              <a:t>2021-01-31</a:t>
+              <a:t>2021-02-01</a:t>
             </a:fld>
             <a:endParaRPr lang="ko-KR" altLang="en-US"/>
           </a:p>
@@ -2407,7 +2407,7 @@
           <a:p>
             <a:fld id="{5489C2E6-9D57-43BA-892E-82A84D6298D4}" type="datetimeFigureOut">
               <a:rPr lang="ko-KR" altLang="en-US" smtClean="0"/>
-              <a:t>2021-01-31</a:t>
+              <a:t>2021-02-01</a:t>
             </a:fld>
             <a:endParaRPr lang="ko-KR" altLang="en-US"/>
           </a:p>
@@ -2695,7 +2695,7 @@
           <a:p>
             <a:fld id="{5489C2E6-9D57-43BA-892E-82A84D6298D4}" type="datetimeFigureOut">
               <a:rPr lang="ko-KR" altLang="en-US" smtClean="0"/>
-              <a:t>2021-01-31</a:t>
+              <a:t>2021-02-01</a:t>
             </a:fld>
             <a:endParaRPr lang="ko-KR" altLang="en-US"/>
           </a:p>
@@ -2936,7 +2936,7 @@
           <a:p>
             <a:fld id="{5489C2E6-9D57-43BA-892E-82A84D6298D4}" type="datetimeFigureOut">
               <a:rPr lang="ko-KR" altLang="en-US" smtClean="0"/>
-              <a:t>2021-01-31</a:t>
+              <a:t>2021-02-01</a:t>
             </a:fld>
             <a:endParaRPr lang="ko-KR" altLang="en-US"/>
           </a:p>
@@ -8275,6 +8275,60 @@
           <a:p>
             <a:pPr algn="ctr"/>
             <a:endParaRPr lang="ko-KR" altLang="en-US"/>
+          </a:p>
+        </p:txBody>
+      </p:sp>
+      <p:sp>
+        <p:nvSpPr>
+          <p:cNvPr id="4" name="별: 꼭짓점 4개 3">
+            <a:extLst>
+              <a:ext uri="{FF2B5EF4-FFF2-40B4-BE49-F238E27FC236}">
+                <a16:creationId xmlns:a16="http://schemas.microsoft.com/office/drawing/2014/main" id="{D1259A5C-18A5-4F65-8C6B-5864C5A440C8}"/>
+              </a:ext>
+            </a:extLst>
+          </p:cNvPr>
+          <p:cNvSpPr/>
+          <p:nvPr/>
+        </p:nvSpPr>
+        <p:spPr>
+          <a:xfrm>
+            <a:off x="6479177" y="3429000"/>
+            <a:ext cx="2272937" cy="2272937"/>
+          </a:xfrm>
+          <a:prstGeom prst="star4">
+            <a:avLst>
+              <a:gd name="adj" fmla="val 18822"/>
+            </a:avLst>
+          </a:prstGeom>
+          <a:solidFill>
+            <a:srgbClr val="92D050"/>
+          </a:solidFill>
+          <a:ln>
+            <a:noFill/>
+          </a:ln>
+        </p:spPr>
+        <p:style>
+          <a:lnRef idx="2">
+            <a:schemeClr val="accent1">
+              <a:shade val="50000"/>
+            </a:schemeClr>
+          </a:lnRef>
+          <a:fillRef idx="1">
+            <a:schemeClr val="accent1"/>
+          </a:fillRef>
+          <a:effectRef idx="0">
+            <a:schemeClr val="accent1"/>
+          </a:effectRef>
+          <a:fontRef idx="minor">
+            <a:schemeClr val="lt1"/>
+          </a:fontRef>
+        </p:style>
+        <p:txBody>
+          <a:bodyPr rtlCol="0" anchor="ctr"/>
+          <a:lstStyle/>
+          <a:p>
+            <a:pPr algn="ctr"/>
+            <a:endParaRPr lang="ko-KR" altLang="en-US" dirty="0"/>
           </a:p>
         </p:txBody>
       </p:sp>

--- a/문서/2스테이지 보스 스테이지 패턴 기획 그림제작용.pptx
+++ b/문서/2스테이지 보스 스테이지 패턴 기획 그림제작용.pptx
@@ -286,7 +286,7 @@
           <a:p>
             <a:fld id="{5489C2E6-9D57-43BA-892E-82A84D6298D4}" type="datetimeFigureOut">
               <a:rPr lang="ko-KR" altLang="en-US" smtClean="0"/>
-              <a:t>2021-02-01</a:t>
+              <a:t>2021-02-03</a:t>
             </a:fld>
             <a:endParaRPr lang="ko-KR" altLang="en-US"/>
           </a:p>
@@ -484,7 +484,7 @@
           <a:p>
             <a:fld id="{5489C2E6-9D57-43BA-892E-82A84D6298D4}" type="datetimeFigureOut">
               <a:rPr lang="ko-KR" altLang="en-US" smtClean="0"/>
-              <a:t>2021-02-01</a:t>
+              <a:t>2021-02-03</a:t>
             </a:fld>
             <a:endParaRPr lang="ko-KR" altLang="en-US"/>
           </a:p>
@@ -692,7 +692,7 @@
           <a:p>
             <a:fld id="{5489C2E6-9D57-43BA-892E-82A84D6298D4}" type="datetimeFigureOut">
               <a:rPr lang="ko-KR" altLang="en-US" smtClean="0"/>
-              <a:t>2021-02-01</a:t>
+              <a:t>2021-02-03</a:t>
             </a:fld>
             <a:endParaRPr lang="ko-KR" altLang="en-US"/>
           </a:p>
@@ -890,7 +890,7 @@
           <a:p>
             <a:fld id="{5489C2E6-9D57-43BA-892E-82A84D6298D4}" type="datetimeFigureOut">
               <a:rPr lang="ko-KR" altLang="en-US" smtClean="0"/>
-              <a:t>2021-02-01</a:t>
+              <a:t>2021-02-03</a:t>
             </a:fld>
             <a:endParaRPr lang="ko-KR" altLang="en-US"/>
           </a:p>
@@ -1165,7 +1165,7 @@
           <a:p>
             <a:fld id="{5489C2E6-9D57-43BA-892E-82A84D6298D4}" type="datetimeFigureOut">
               <a:rPr lang="ko-KR" altLang="en-US" smtClean="0"/>
-              <a:t>2021-02-01</a:t>
+              <a:t>2021-02-03</a:t>
             </a:fld>
             <a:endParaRPr lang="ko-KR" altLang="en-US"/>
           </a:p>
@@ -1430,7 +1430,7 @@
           <a:p>
             <a:fld id="{5489C2E6-9D57-43BA-892E-82A84D6298D4}" type="datetimeFigureOut">
               <a:rPr lang="ko-KR" altLang="en-US" smtClean="0"/>
-              <a:t>2021-02-01</a:t>
+              <a:t>2021-02-03</a:t>
             </a:fld>
             <a:endParaRPr lang="ko-KR" altLang="en-US"/>
           </a:p>
@@ -1842,7 +1842,7 @@
           <a:p>
             <a:fld id="{5489C2E6-9D57-43BA-892E-82A84D6298D4}" type="datetimeFigureOut">
               <a:rPr lang="ko-KR" altLang="en-US" smtClean="0"/>
-              <a:t>2021-02-01</a:t>
+              <a:t>2021-02-03</a:t>
             </a:fld>
             <a:endParaRPr lang="ko-KR" altLang="en-US"/>
           </a:p>
@@ -1983,7 +1983,7 @@
           <a:p>
             <a:fld id="{5489C2E6-9D57-43BA-892E-82A84D6298D4}" type="datetimeFigureOut">
               <a:rPr lang="ko-KR" altLang="en-US" smtClean="0"/>
-              <a:t>2021-02-01</a:t>
+              <a:t>2021-02-03</a:t>
             </a:fld>
             <a:endParaRPr lang="ko-KR" altLang="en-US"/>
           </a:p>
@@ -2096,7 +2096,7 @@
           <a:p>
             <a:fld id="{5489C2E6-9D57-43BA-892E-82A84D6298D4}" type="datetimeFigureOut">
               <a:rPr lang="ko-KR" altLang="en-US" smtClean="0"/>
-              <a:t>2021-02-01</a:t>
+              <a:t>2021-02-03</a:t>
             </a:fld>
             <a:endParaRPr lang="ko-KR" altLang="en-US"/>
           </a:p>
@@ -2407,7 +2407,7 @@
           <a:p>
             <a:fld id="{5489C2E6-9D57-43BA-892E-82A84D6298D4}" type="datetimeFigureOut">
               <a:rPr lang="ko-KR" altLang="en-US" smtClean="0"/>
-              <a:t>2021-02-01</a:t>
+              <a:t>2021-02-03</a:t>
             </a:fld>
             <a:endParaRPr lang="ko-KR" altLang="en-US"/>
           </a:p>
@@ -2695,7 +2695,7 @@
           <a:p>
             <a:fld id="{5489C2E6-9D57-43BA-892E-82A84D6298D4}" type="datetimeFigureOut">
               <a:rPr lang="ko-KR" altLang="en-US" smtClean="0"/>
-              <a:t>2021-02-01</a:t>
+              <a:t>2021-02-03</a:t>
             </a:fld>
             <a:endParaRPr lang="ko-KR" altLang="en-US"/>
           </a:p>
@@ -2936,7 +2936,7 @@
           <a:p>
             <a:fld id="{5489C2E6-9D57-43BA-892E-82A84D6298D4}" type="datetimeFigureOut">
               <a:rPr lang="ko-KR" altLang="en-US" smtClean="0"/>
-              <a:t>2021-02-01</a:t>
+              <a:t>2021-02-03</a:t>
             </a:fld>
             <a:endParaRPr lang="ko-KR" altLang="en-US"/>
           </a:p>
